--- a/feeder/tools/pics-making.pptx
+++ b/feeder/tools/pics-making.pptx
@@ -310,7 +310,7 @@
           <a:p>
             <a:fld id="{56E5DCE2-4C0C-4B49-9538-1E32127C0620}" type="datetimeFigureOut">
               <a:rPr lang="en-IN" smtClean="0"/>
-              <a:t>08-05-2023</a:t>
+              <a:t>03-03-2024</a:t>
             </a:fld>
             <a:endParaRPr lang="en-IN"/>
           </a:p>
@@ -480,7 +480,7 @@
           <a:p>
             <a:fld id="{56E5DCE2-4C0C-4B49-9538-1E32127C0620}" type="datetimeFigureOut">
               <a:rPr lang="en-IN" smtClean="0"/>
-              <a:t>08-05-2023</a:t>
+              <a:t>03-03-2024</a:t>
             </a:fld>
             <a:endParaRPr lang="en-IN"/>
           </a:p>
@@ -660,7 +660,7 @@
           <a:p>
             <a:fld id="{56E5DCE2-4C0C-4B49-9538-1E32127C0620}" type="datetimeFigureOut">
               <a:rPr lang="en-IN" smtClean="0"/>
-              <a:t>08-05-2023</a:t>
+              <a:t>03-03-2024</a:t>
             </a:fld>
             <a:endParaRPr lang="en-IN"/>
           </a:p>
@@ -830,7 +830,7 @@
           <a:p>
             <a:fld id="{56E5DCE2-4C0C-4B49-9538-1E32127C0620}" type="datetimeFigureOut">
               <a:rPr lang="en-IN" smtClean="0"/>
-              <a:t>08-05-2023</a:t>
+              <a:t>03-03-2024</a:t>
             </a:fld>
             <a:endParaRPr lang="en-IN"/>
           </a:p>
@@ -1076,7 +1076,7 @@
           <a:p>
             <a:fld id="{56E5DCE2-4C0C-4B49-9538-1E32127C0620}" type="datetimeFigureOut">
               <a:rPr lang="en-IN" smtClean="0"/>
-              <a:t>08-05-2023</a:t>
+              <a:t>03-03-2024</a:t>
             </a:fld>
             <a:endParaRPr lang="en-IN"/>
           </a:p>
@@ -1364,7 +1364,7 @@
           <a:p>
             <a:fld id="{56E5DCE2-4C0C-4B49-9538-1E32127C0620}" type="datetimeFigureOut">
               <a:rPr lang="en-IN" smtClean="0"/>
-              <a:t>08-05-2023</a:t>
+              <a:t>03-03-2024</a:t>
             </a:fld>
             <a:endParaRPr lang="en-IN"/>
           </a:p>
@@ -1786,7 +1786,7 @@
           <a:p>
             <a:fld id="{56E5DCE2-4C0C-4B49-9538-1E32127C0620}" type="datetimeFigureOut">
               <a:rPr lang="en-IN" smtClean="0"/>
-              <a:t>08-05-2023</a:t>
+              <a:t>03-03-2024</a:t>
             </a:fld>
             <a:endParaRPr lang="en-IN"/>
           </a:p>
@@ -1904,7 +1904,7 @@
           <a:p>
             <a:fld id="{56E5DCE2-4C0C-4B49-9538-1E32127C0620}" type="datetimeFigureOut">
               <a:rPr lang="en-IN" smtClean="0"/>
-              <a:t>08-05-2023</a:t>
+              <a:t>03-03-2024</a:t>
             </a:fld>
             <a:endParaRPr lang="en-IN"/>
           </a:p>
@@ -1999,7 +1999,7 @@
           <a:p>
             <a:fld id="{56E5DCE2-4C0C-4B49-9538-1E32127C0620}" type="datetimeFigureOut">
               <a:rPr lang="en-IN" smtClean="0"/>
-              <a:t>08-05-2023</a:t>
+              <a:t>03-03-2024</a:t>
             </a:fld>
             <a:endParaRPr lang="en-IN"/>
           </a:p>
@@ -2276,7 +2276,7 @@
           <a:p>
             <a:fld id="{56E5DCE2-4C0C-4B49-9538-1E32127C0620}" type="datetimeFigureOut">
               <a:rPr lang="en-IN" smtClean="0"/>
-              <a:t>08-05-2023</a:t>
+              <a:t>03-03-2024</a:t>
             </a:fld>
             <a:endParaRPr lang="en-IN"/>
           </a:p>
@@ -2529,7 +2529,7 @@
           <a:p>
             <a:fld id="{56E5DCE2-4C0C-4B49-9538-1E32127C0620}" type="datetimeFigureOut">
               <a:rPr lang="en-IN" smtClean="0"/>
-              <a:t>08-05-2023</a:t>
+              <a:t>03-03-2024</a:t>
             </a:fld>
             <a:endParaRPr lang="en-IN"/>
           </a:p>
@@ -2742,7 +2742,7 @@
           <a:p>
             <a:fld id="{56E5DCE2-4C0C-4B49-9538-1E32127C0620}" type="datetimeFigureOut">
               <a:rPr lang="en-IN" smtClean="0"/>
-              <a:t>08-05-2023</a:t>
+              <a:t>03-03-2024</a:t>
             </a:fld>
             <a:endParaRPr lang="en-IN"/>
           </a:p>
@@ -3125,7 +3125,7 @@
         </p:nvSpPr>
         <p:spPr>
           <a:xfrm>
-            <a:off x="1676400" y="1219200"/>
+            <a:off x="1676400" y="228600"/>
             <a:ext cx="2057400" cy="914400"/>
           </a:xfrm>
           <a:prstGeom prst="rect">
@@ -3194,7 +3194,7 @@
         </p:nvCxnSpPr>
         <p:spPr>
           <a:xfrm>
-            <a:off x="1905000" y="1497775"/>
+            <a:off x="1905000" y="507175"/>
             <a:ext cx="1219200" cy="0"/>
           </a:xfrm>
           <a:prstGeom prst="line">
@@ -3224,7 +3224,7 @@
         </p:nvCxnSpPr>
         <p:spPr>
           <a:xfrm>
-            <a:off x="1905000" y="1776350"/>
+            <a:off x="1905000" y="785750"/>
             <a:ext cx="1371600" cy="0"/>
           </a:xfrm>
           <a:prstGeom prst="line">
@@ -3254,7 +3254,7 @@
         </p:nvCxnSpPr>
         <p:spPr>
           <a:xfrm>
-            <a:off x="3200400" y="1471550"/>
+            <a:off x="3200400" y="480950"/>
             <a:ext cx="0" cy="182880"/>
           </a:xfrm>
           <a:prstGeom prst="line">
@@ -3284,7 +3284,7 @@
         </p:nvCxnSpPr>
         <p:spPr>
           <a:xfrm>
-            <a:off x="3352800" y="1738250"/>
+            <a:off x="3352800" y="747650"/>
             <a:ext cx="0" cy="182880"/>
           </a:xfrm>
           <a:prstGeom prst="line">
@@ -3314,7 +3314,7 @@
         </p:nvCxnSpPr>
         <p:spPr>
           <a:xfrm>
-            <a:off x="3445825" y="1738250"/>
+            <a:off x="3445825" y="747650"/>
             <a:ext cx="0" cy="182880"/>
           </a:xfrm>
           <a:prstGeom prst="line">
@@ -3357,7 +3357,7 @@
         </p:blipFill>
         <p:spPr bwMode="auto">
           <a:xfrm>
-            <a:off x="2290521" y="2244436"/>
+            <a:off x="2290521" y="1253836"/>
             <a:ext cx="600558" cy="228600"/>
           </a:xfrm>
           <a:prstGeom prst="rect">
@@ -3406,7 +3406,7 @@
         </p:nvSpPr>
         <p:spPr>
           <a:xfrm>
-            <a:off x="5791200" y="838200"/>
+            <a:off x="5791200" y="228600"/>
             <a:ext cx="1524000" cy="816230"/>
           </a:xfrm>
           <a:prstGeom prst="rect">
@@ -3420,6 +3420,244 @@
                     <a14:imgLayer r:embed="rId3">
                       <a14:imgEffect>
                         <a14:saturation sat="300000"/>
+                      </a14:imgEffect>
+                    </a14:imgLayer>
+                  </a14:imgProps>
+                </a:ext>
+              </a:extLst>
+            </a:blip>
+            <a:tile tx="0" ty="0" sx="100000" sy="100000" flip="none" algn="tl"/>
+          </a:blipFill>
+          <a:ln>
+            <a:noFill/>
+          </a:ln>
+        </p:spPr>
+        <p:style>
+          <a:lnRef idx="2">
+            <a:schemeClr val="accent1">
+              <a:shade val="50000"/>
+            </a:schemeClr>
+          </a:lnRef>
+          <a:fillRef idx="1">
+            <a:schemeClr val="accent1"/>
+          </a:fillRef>
+          <a:effectRef idx="0">
+            <a:schemeClr val="accent1"/>
+          </a:effectRef>
+          <a:fontRef idx="minor">
+            <a:schemeClr val="lt1"/>
+          </a:fontRef>
+        </p:style>
+        <p:txBody>
+          <a:bodyPr rtlCol="0" anchor="ctr"/>
+          <a:lstStyle/>
+          <a:p>
+            <a:pPr algn="ctr"/>
+            <a:endParaRPr lang="en-IN"/>
+          </a:p>
+        </p:txBody>
+      </p:sp>
+      <p:pic>
+        <p:nvPicPr>
+          <p:cNvPr id="5" name="Picture 4">
+            <a:extLst>
+              <a:ext uri="{FF2B5EF4-FFF2-40B4-BE49-F238E27FC236}">
+                <a16:creationId xmlns:a16="http://schemas.microsoft.com/office/drawing/2014/main" id="{BF9489F6-5B93-B6F6-8254-662FF7FFCBD3}"/>
+              </a:ext>
+            </a:extLst>
+          </p:cNvPr>
+          <p:cNvPicPr>
+            <a:picLocks noChangeAspect="1"/>
+          </p:cNvPicPr>
+          <p:nvPr/>
+        </p:nvPicPr>
+        <p:blipFill>
+          <a:blip r:embed="rId6">
+            <a:extLst>
+              <a:ext uri="{BEBA8EAE-BF5A-486C-A8C5-ECC9F3942E4B}">
+                <a14:imgProps xmlns:a14="http://schemas.microsoft.com/office/drawing/2010/main">
+                  <a14:imgLayer r:embed="rId7">
+                    <a14:imgEffect>
+                      <a14:artisticGlowDiffused/>
+                    </a14:imgEffect>
+                  </a14:imgLayer>
+                </a14:imgProps>
+              </a:ext>
+            </a:extLst>
+          </a:blip>
+          <a:stretch>
+            <a:fillRect/>
+          </a:stretch>
+        </p:blipFill>
+        <p:spPr>
+          <a:xfrm>
+            <a:off x="395287" y="1862138"/>
+            <a:ext cx="1966913" cy="923130"/>
+          </a:xfrm>
+          <a:prstGeom prst="rect">
+            <a:avLst/>
+          </a:prstGeom>
+        </p:spPr>
+      </p:pic>
+      <p:pic>
+        <p:nvPicPr>
+          <p:cNvPr id="8" name="Picture 7">
+            <a:extLst>
+              <a:ext uri="{FF2B5EF4-FFF2-40B4-BE49-F238E27FC236}">
+                <a16:creationId xmlns:a16="http://schemas.microsoft.com/office/drawing/2014/main" id="{1E8611A4-6DD0-ACD9-B4F8-8D4400000B4D}"/>
+              </a:ext>
+            </a:extLst>
+          </p:cNvPr>
+          <p:cNvPicPr>
+            <a:picLocks noChangeAspect="1"/>
+          </p:cNvPicPr>
+          <p:nvPr/>
+        </p:nvPicPr>
+        <p:blipFill>
+          <a:blip r:embed="rId8">
+            <a:duotone>
+              <a:prstClr val="black"/>
+              <a:srgbClr val="D9C3A5">
+                <a:tint val="50000"/>
+                <a:satMod val="180000"/>
+              </a:srgbClr>
+            </a:duotone>
+            <a:extLst>
+              <a:ext uri="{BEBA8EAE-BF5A-486C-A8C5-ECC9F3942E4B}">
+                <a14:imgProps xmlns:a14="http://schemas.microsoft.com/office/drawing/2010/main">
+                  <a14:imgLayer r:embed="rId7">
+                    <a14:imgEffect>
+                      <a14:artisticGlowEdges/>
+                    </a14:imgEffect>
+                    <a14:imgEffect>
+                      <a14:colorTemperature colorTemp="11500"/>
+                    </a14:imgEffect>
+                    <a14:imgEffect>
+                      <a14:saturation sat="0"/>
+                    </a14:imgEffect>
+                  </a14:imgLayer>
+                </a14:imgProps>
+              </a:ext>
+            </a:extLst>
+          </a:blip>
+          <a:stretch>
+            <a:fillRect/>
+          </a:stretch>
+        </p:blipFill>
+        <p:spPr>
+          <a:xfrm>
+            <a:off x="2462368" y="1862138"/>
+            <a:ext cx="1966914" cy="923130"/>
+          </a:xfrm>
+          <a:prstGeom prst="rect">
+            <a:avLst/>
+          </a:prstGeom>
+        </p:spPr>
+      </p:pic>
+      <p:sp>
+        <p:nvSpPr>
+          <p:cNvPr id="9" name="Rectangle 8">
+            <a:extLst>
+              <a:ext uri="{FF2B5EF4-FFF2-40B4-BE49-F238E27FC236}">
+                <a16:creationId xmlns:a16="http://schemas.microsoft.com/office/drawing/2014/main" id="{F4303A74-E12C-8175-32A0-9D7D268AE58B}"/>
+              </a:ext>
+            </a:extLst>
+          </p:cNvPr>
+          <p:cNvSpPr/>
+          <p:nvPr/>
+        </p:nvSpPr>
+        <p:spPr>
+          <a:xfrm>
+            <a:off x="7237414" y="1253836"/>
+            <a:ext cx="1524000" cy="816230"/>
+          </a:xfrm>
+          <a:prstGeom prst="rect">
+            <a:avLst/>
+          </a:prstGeom>
+          <a:blipFill>
+            <a:blip r:embed="rId9">
+              <a:grayscl/>
+              <a:extLst>
+                <a:ext uri="{BEBA8EAE-BF5A-486C-A8C5-ECC9F3942E4B}">
+                  <a14:imgProps xmlns:a14="http://schemas.microsoft.com/office/drawing/2010/main">
+                    <a14:imgLayer r:embed="rId3">
+                      <a14:imgEffect>
+                        <a14:colorTemperature colorTemp="5245"/>
+                      </a14:imgEffect>
+                      <a14:imgEffect>
+                        <a14:saturation sat="400000"/>
+                      </a14:imgEffect>
+                    </a14:imgLayer>
+                  </a14:imgProps>
+                </a:ext>
+              </a:extLst>
+            </a:blip>
+            <a:tile tx="0" ty="0" sx="100000" sy="100000" flip="none" algn="tl"/>
+          </a:blipFill>
+          <a:ln>
+            <a:noFill/>
+          </a:ln>
+        </p:spPr>
+        <p:style>
+          <a:lnRef idx="2">
+            <a:schemeClr val="accent1">
+              <a:shade val="50000"/>
+            </a:schemeClr>
+          </a:lnRef>
+          <a:fillRef idx="1">
+            <a:schemeClr val="accent1"/>
+          </a:fillRef>
+          <a:effectRef idx="0">
+            <a:schemeClr val="accent1"/>
+          </a:effectRef>
+          <a:fontRef idx="minor">
+            <a:schemeClr val="lt1"/>
+          </a:fontRef>
+        </p:style>
+        <p:txBody>
+          <a:bodyPr rtlCol="0" anchor="ctr"/>
+          <a:lstStyle/>
+          <a:p>
+            <a:pPr algn="ctr"/>
+            <a:endParaRPr lang="en-IN"/>
+          </a:p>
+        </p:txBody>
+      </p:sp>
+      <p:sp>
+        <p:nvSpPr>
+          <p:cNvPr id="15" name="Rectangle 14">
+            <a:extLst>
+              <a:ext uri="{FF2B5EF4-FFF2-40B4-BE49-F238E27FC236}">
+                <a16:creationId xmlns:a16="http://schemas.microsoft.com/office/drawing/2014/main" id="{EDE2EE44-314F-30D3-DBCF-6FA68546D0D1}"/>
+              </a:ext>
+            </a:extLst>
+          </p:cNvPr>
+          <p:cNvSpPr/>
+          <p:nvPr/>
+        </p:nvSpPr>
+        <p:spPr>
+          <a:xfrm>
+            <a:off x="7237414" y="2279072"/>
+            <a:ext cx="1524000" cy="816230"/>
+          </a:xfrm>
+          <a:prstGeom prst="rect">
+            <a:avLst/>
+          </a:prstGeom>
+          <a:blipFill>
+            <a:blip r:embed="rId10">
+              <a:grayscl/>
+              <a:extLst>
+                <a:ext uri="{BEBA8EAE-BF5A-486C-A8C5-ECC9F3942E4B}">
+                  <a14:imgProps xmlns:a14="http://schemas.microsoft.com/office/drawing/2010/main">
+                    <a14:imgLayer r:embed="rId3">
+                      <a14:imgEffect>
+                        <a14:artisticGlowEdges trans="13000" smoothness="6"/>
+                      </a14:imgEffect>
+                      <a14:imgEffect>
+                        <a14:colorTemperature colorTemp="5245"/>
+                      </a14:imgEffect>
+                      <a14:imgEffect>
+                        <a14:saturation sat="400000"/>
                       </a14:imgEffect>
                     </a14:imgLayer>
                   </a14:imgProps>

--- a/feeder/tools/pics-making.pptx
+++ b/feeder/tools/pics-making.pptx
@@ -310,7 +310,7 @@
           <a:p>
             <a:fld id="{56E5DCE2-4C0C-4B49-9538-1E32127C0620}" type="datetimeFigureOut">
               <a:rPr lang="en-IN" smtClean="0"/>
-              <a:t>03-03-2024</a:t>
+              <a:t>17-03-2024</a:t>
             </a:fld>
             <a:endParaRPr lang="en-IN"/>
           </a:p>
@@ -480,7 +480,7 @@
           <a:p>
             <a:fld id="{56E5DCE2-4C0C-4B49-9538-1E32127C0620}" type="datetimeFigureOut">
               <a:rPr lang="en-IN" smtClean="0"/>
-              <a:t>03-03-2024</a:t>
+              <a:t>17-03-2024</a:t>
             </a:fld>
             <a:endParaRPr lang="en-IN"/>
           </a:p>
@@ -660,7 +660,7 @@
           <a:p>
             <a:fld id="{56E5DCE2-4C0C-4B49-9538-1E32127C0620}" type="datetimeFigureOut">
               <a:rPr lang="en-IN" smtClean="0"/>
-              <a:t>03-03-2024</a:t>
+              <a:t>17-03-2024</a:t>
             </a:fld>
             <a:endParaRPr lang="en-IN"/>
           </a:p>
@@ -830,7 +830,7 @@
           <a:p>
             <a:fld id="{56E5DCE2-4C0C-4B49-9538-1E32127C0620}" type="datetimeFigureOut">
               <a:rPr lang="en-IN" smtClean="0"/>
-              <a:t>03-03-2024</a:t>
+              <a:t>17-03-2024</a:t>
             </a:fld>
             <a:endParaRPr lang="en-IN"/>
           </a:p>
@@ -1076,7 +1076,7 @@
           <a:p>
             <a:fld id="{56E5DCE2-4C0C-4B49-9538-1E32127C0620}" type="datetimeFigureOut">
               <a:rPr lang="en-IN" smtClean="0"/>
-              <a:t>03-03-2024</a:t>
+              <a:t>17-03-2024</a:t>
             </a:fld>
             <a:endParaRPr lang="en-IN"/>
           </a:p>
@@ -1364,7 +1364,7 @@
           <a:p>
             <a:fld id="{56E5DCE2-4C0C-4B49-9538-1E32127C0620}" type="datetimeFigureOut">
               <a:rPr lang="en-IN" smtClean="0"/>
-              <a:t>03-03-2024</a:t>
+              <a:t>17-03-2024</a:t>
             </a:fld>
             <a:endParaRPr lang="en-IN"/>
           </a:p>
@@ -1786,7 +1786,7 @@
           <a:p>
             <a:fld id="{56E5DCE2-4C0C-4B49-9538-1E32127C0620}" type="datetimeFigureOut">
               <a:rPr lang="en-IN" smtClean="0"/>
-              <a:t>03-03-2024</a:t>
+              <a:t>17-03-2024</a:t>
             </a:fld>
             <a:endParaRPr lang="en-IN"/>
           </a:p>
@@ -1904,7 +1904,7 @@
           <a:p>
             <a:fld id="{56E5DCE2-4C0C-4B49-9538-1E32127C0620}" type="datetimeFigureOut">
               <a:rPr lang="en-IN" smtClean="0"/>
-              <a:t>03-03-2024</a:t>
+              <a:t>17-03-2024</a:t>
             </a:fld>
             <a:endParaRPr lang="en-IN"/>
           </a:p>
@@ -1999,7 +1999,7 @@
           <a:p>
             <a:fld id="{56E5DCE2-4C0C-4B49-9538-1E32127C0620}" type="datetimeFigureOut">
               <a:rPr lang="en-IN" smtClean="0"/>
-              <a:t>03-03-2024</a:t>
+              <a:t>17-03-2024</a:t>
             </a:fld>
             <a:endParaRPr lang="en-IN"/>
           </a:p>
@@ -2276,7 +2276,7 @@
           <a:p>
             <a:fld id="{56E5DCE2-4C0C-4B49-9538-1E32127C0620}" type="datetimeFigureOut">
               <a:rPr lang="en-IN" smtClean="0"/>
-              <a:t>03-03-2024</a:t>
+              <a:t>17-03-2024</a:t>
             </a:fld>
             <a:endParaRPr lang="en-IN"/>
           </a:p>
@@ -2529,7 +2529,7 @@
           <a:p>
             <a:fld id="{56E5DCE2-4C0C-4B49-9538-1E32127C0620}" type="datetimeFigureOut">
               <a:rPr lang="en-IN" smtClean="0"/>
-              <a:t>03-03-2024</a:t>
+              <a:t>17-03-2024</a:t>
             </a:fld>
             <a:endParaRPr lang="en-IN"/>
           </a:p>
@@ -2742,7 +2742,7 @@
           <a:p>
             <a:fld id="{56E5DCE2-4C0C-4B49-9538-1E32127C0620}" type="datetimeFigureOut">
               <a:rPr lang="en-IN" smtClean="0"/>
-              <a:t>03-03-2024</a:t>
+              <a:t>17-03-2024</a:t>
             </a:fld>
             <a:endParaRPr lang="en-IN"/>
           </a:p>
@@ -3695,6 +3695,41 @@
           </a:p>
         </p:txBody>
       </p:sp>
+      <p:pic>
+        <p:nvPicPr>
+          <p:cNvPr id="3" name="Picture 2">
+            <a:extLst>
+              <a:ext uri="{FF2B5EF4-FFF2-40B4-BE49-F238E27FC236}">
+                <a16:creationId xmlns:a16="http://schemas.microsoft.com/office/drawing/2014/main" id="{540AB198-1375-4B56-1E6E-323AEEC3E6D1}"/>
+              </a:ext>
+            </a:extLst>
+          </p:cNvPr>
+          <p:cNvPicPr>
+            <a:picLocks noChangeAspect="1"/>
+          </p:cNvPicPr>
+          <p:nvPr/>
+        </p:nvPicPr>
+        <p:blipFill rotWithShape="1">
+          <a:blip r:embed="rId11">
+            <a:extLst>
+              <a:ext uri="{28A0092B-C50C-407E-A947-70E740481C1C}">
+                <a14:useLocalDpi xmlns:a14="http://schemas.microsoft.com/office/drawing/2010/main" val="0"/>
+              </a:ext>
+            </a:extLst>
+          </a:blip>
+          <a:srcRect l="12135" t="13020" r="15056" b="21882"/>
+          <a:stretch/>
+        </p:blipFill>
+        <p:spPr>
+          <a:xfrm>
+            <a:off x="762000" y="3313906"/>
+            <a:ext cx="457200" cy="381000"/>
+          </a:xfrm>
+          <a:prstGeom prst="rect">
+            <a:avLst/>
+          </a:prstGeom>
+        </p:spPr>
+      </p:pic>
     </p:spTree>
     <p:extLst>
       <p:ext uri="{BB962C8B-B14F-4D97-AF65-F5344CB8AC3E}">

--- a/feeder/tools/pics-making.pptx
+++ b/feeder/tools/pics-making.pptx
@@ -3724,6 +3724,110 @@
           <a:xfrm>
             <a:off x="762000" y="3313906"/>
             <a:ext cx="457200" cy="381000"/>
+          </a:xfrm>
+          <a:prstGeom prst="rect">
+            <a:avLst/>
+          </a:prstGeom>
+        </p:spPr>
+      </p:pic>
+      <p:pic>
+        <p:nvPicPr>
+          <p:cNvPr id="10" name="Picture 9">
+            <a:extLst>
+              <a:ext uri="{FF2B5EF4-FFF2-40B4-BE49-F238E27FC236}">
+                <a16:creationId xmlns:a16="http://schemas.microsoft.com/office/drawing/2014/main" id="{8E9D3DAA-C53F-FDF2-6E70-A906380EF952}"/>
+              </a:ext>
+            </a:extLst>
+          </p:cNvPr>
+          <p:cNvPicPr>
+            <a:picLocks noChangeAspect="1"/>
+          </p:cNvPicPr>
+          <p:nvPr/>
+        </p:nvPicPr>
+        <p:blipFill rotWithShape="1">
+          <a:blip r:embed="rId12" cstate="print">
+            <a:clrChange>
+              <a:clrFrom>
+                <a:srgbClr val="F6F6F6"/>
+              </a:clrFrom>
+              <a:clrTo>
+                <a:srgbClr val="F6F6F6">
+                  <a:alpha val="0"/>
+                </a:srgbClr>
+              </a:clrTo>
+            </a:clrChange>
+            <a:duotone>
+              <a:schemeClr val="bg2">
+                <a:shade val="45000"/>
+                <a:satMod val="135000"/>
+              </a:schemeClr>
+              <a:prstClr val="white"/>
+            </a:duotone>
+            <a:extLst>
+              <a:ext uri="{28A0092B-C50C-407E-A947-70E740481C1C}">
+                <a14:useLocalDpi xmlns:a14="http://schemas.microsoft.com/office/drawing/2010/main" val="0"/>
+              </a:ext>
+            </a:extLst>
+          </a:blip>
+          <a:srcRect l="11130" t="32508" r="10824" b="35270"/>
+          <a:stretch/>
+        </p:blipFill>
+        <p:spPr>
+          <a:xfrm>
+            <a:off x="1480210" y="3358408"/>
+            <a:ext cx="392380" cy="360000"/>
+          </a:xfrm>
+          <a:prstGeom prst="rect">
+            <a:avLst/>
+          </a:prstGeom>
+        </p:spPr>
+      </p:pic>
+      <p:pic>
+        <p:nvPicPr>
+          <p:cNvPr id="16" name="Picture 15">
+            <a:extLst>
+              <a:ext uri="{FF2B5EF4-FFF2-40B4-BE49-F238E27FC236}">
+                <a16:creationId xmlns:a16="http://schemas.microsoft.com/office/drawing/2014/main" id="{357B114C-1AC1-F698-6DC8-B73717FF00F5}"/>
+              </a:ext>
+            </a:extLst>
+          </p:cNvPr>
+          <p:cNvPicPr>
+            <a:picLocks noChangeAspect="1"/>
+          </p:cNvPicPr>
+          <p:nvPr/>
+        </p:nvPicPr>
+        <p:blipFill rotWithShape="1">
+          <a:blip r:embed="rId13" cstate="print">
+            <a:clrChange>
+              <a:clrFrom>
+                <a:srgbClr val="F6F6F6"/>
+              </a:clrFrom>
+              <a:clrTo>
+                <a:srgbClr val="F6F6F6">
+                  <a:alpha val="0"/>
+                </a:srgbClr>
+              </a:clrTo>
+            </a:clrChange>
+            <a:duotone>
+              <a:schemeClr val="bg2">
+                <a:shade val="45000"/>
+                <a:satMod val="135000"/>
+              </a:schemeClr>
+              <a:prstClr val="white"/>
+            </a:duotone>
+            <a:extLst>
+              <a:ext uri="{28A0092B-C50C-407E-A947-70E740481C1C}">
+                <a14:useLocalDpi xmlns:a14="http://schemas.microsoft.com/office/drawing/2010/main" val="0"/>
+              </a:ext>
+            </a:extLst>
+          </a:blip>
+          <a:srcRect l="16003" t="36788" r="14861" b="31680"/>
+          <a:stretch/>
+        </p:blipFill>
+        <p:spPr>
+          <a:xfrm>
+            <a:off x="2184605" y="3358408"/>
+            <a:ext cx="355189" cy="360000"/>
           </a:xfrm>
           <a:prstGeom prst="rect">
             <a:avLst/>

--- a/feeder/tools/pics-making.pptx
+++ b/feeder/tools/pics-making.pptx
@@ -310,7 +310,7 @@
           <a:p>
             <a:fld id="{56E5DCE2-4C0C-4B49-9538-1E32127C0620}" type="datetimeFigureOut">
               <a:rPr lang="en-IN" smtClean="0"/>
-              <a:t>17-03-2024</a:t>
+              <a:t>18-03-2024</a:t>
             </a:fld>
             <a:endParaRPr lang="en-IN"/>
           </a:p>
@@ -480,7 +480,7 @@
           <a:p>
             <a:fld id="{56E5DCE2-4C0C-4B49-9538-1E32127C0620}" type="datetimeFigureOut">
               <a:rPr lang="en-IN" smtClean="0"/>
-              <a:t>17-03-2024</a:t>
+              <a:t>18-03-2024</a:t>
             </a:fld>
             <a:endParaRPr lang="en-IN"/>
           </a:p>
@@ -660,7 +660,7 @@
           <a:p>
             <a:fld id="{56E5DCE2-4C0C-4B49-9538-1E32127C0620}" type="datetimeFigureOut">
               <a:rPr lang="en-IN" smtClean="0"/>
-              <a:t>17-03-2024</a:t>
+              <a:t>18-03-2024</a:t>
             </a:fld>
             <a:endParaRPr lang="en-IN"/>
           </a:p>
@@ -830,7 +830,7 @@
           <a:p>
             <a:fld id="{56E5DCE2-4C0C-4B49-9538-1E32127C0620}" type="datetimeFigureOut">
               <a:rPr lang="en-IN" smtClean="0"/>
-              <a:t>17-03-2024</a:t>
+              <a:t>18-03-2024</a:t>
             </a:fld>
             <a:endParaRPr lang="en-IN"/>
           </a:p>
@@ -1076,7 +1076,7 @@
           <a:p>
             <a:fld id="{56E5DCE2-4C0C-4B49-9538-1E32127C0620}" type="datetimeFigureOut">
               <a:rPr lang="en-IN" smtClean="0"/>
-              <a:t>17-03-2024</a:t>
+              <a:t>18-03-2024</a:t>
             </a:fld>
             <a:endParaRPr lang="en-IN"/>
           </a:p>
@@ -1364,7 +1364,7 @@
           <a:p>
             <a:fld id="{56E5DCE2-4C0C-4B49-9538-1E32127C0620}" type="datetimeFigureOut">
               <a:rPr lang="en-IN" smtClean="0"/>
-              <a:t>17-03-2024</a:t>
+              <a:t>18-03-2024</a:t>
             </a:fld>
             <a:endParaRPr lang="en-IN"/>
           </a:p>
@@ -1786,7 +1786,7 @@
           <a:p>
             <a:fld id="{56E5DCE2-4C0C-4B49-9538-1E32127C0620}" type="datetimeFigureOut">
               <a:rPr lang="en-IN" smtClean="0"/>
-              <a:t>17-03-2024</a:t>
+              <a:t>18-03-2024</a:t>
             </a:fld>
             <a:endParaRPr lang="en-IN"/>
           </a:p>
@@ -1904,7 +1904,7 @@
           <a:p>
             <a:fld id="{56E5DCE2-4C0C-4B49-9538-1E32127C0620}" type="datetimeFigureOut">
               <a:rPr lang="en-IN" smtClean="0"/>
-              <a:t>17-03-2024</a:t>
+              <a:t>18-03-2024</a:t>
             </a:fld>
             <a:endParaRPr lang="en-IN"/>
           </a:p>
@@ -1999,7 +1999,7 @@
           <a:p>
             <a:fld id="{56E5DCE2-4C0C-4B49-9538-1E32127C0620}" type="datetimeFigureOut">
               <a:rPr lang="en-IN" smtClean="0"/>
-              <a:t>17-03-2024</a:t>
+              <a:t>18-03-2024</a:t>
             </a:fld>
             <a:endParaRPr lang="en-IN"/>
           </a:p>
@@ -2276,7 +2276,7 @@
           <a:p>
             <a:fld id="{56E5DCE2-4C0C-4B49-9538-1E32127C0620}" type="datetimeFigureOut">
               <a:rPr lang="en-IN" smtClean="0"/>
-              <a:t>17-03-2024</a:t>
+              <a:t>18-03-2024</a:t>
             </a:fld>
             <a:endParaRPr lang="en-IN"/>
           </a:p>
@@ -2529,7 +2529,7 @@
           <a:p>
             <a:fld id="{56E5DCE2-4C0C-4B49-9538-1E32127C0620}" type="datetimeFigureOut">
               <a:rPr lang="en-IN" smtClean="0"/>
-              <a:t>17-03-2024</a:t>
+              <a:t>18-03-2024</a:t>
             </a:fld>
             <a:endParaRPr lang="en-IN"/>
           </a:p>
@@ -2742,7 +2742,7 @@
           <a:p>
             <a:fld id="{56E5DCE2-4C0C-4B49-9538-1E32127C0620}" type="datetimeFigureOut">
               <a:rPr lang="en-IN" smtClean="0"/>
-              <a:t>17-03-2024</a:t>
+              <a:t>18-03-2024</a:t>
             </a:fld>
             <a:endParaRPr lang="en-IN"/>
           </a:p>
@@ -3828,6 +3828,110 @@
           <a:xfrm>
             <a:off x="2184605" y="3358408"/>
             <a:ext cx="355189" cy="360000"/>
+          </a:xfrm>
+          <a:prstGeom prst="rect">
+            <a:avLst/>
+          </a:prstGeom>
+        </p:spPr>
+      </p:pic>
+      <p:pic>
+        <p:nvPicPr>
+          <p:cNvPr id="2" name="Picture 1">
+            <a:extLst>
+              <a:ext uri="{FF2B5EF4-FFF2-40B4-BE49-F238E27FC236}">
+                <a16:creationId xmlns:a16="http://schemas.microsoft.com/office/drawing/2014/main" id="{665B1068-9238-3808-D3B1-F87029CE7832}"/>
+              </a:ext>
+            </a:extLst>
+          </p:cNvPr>
+          <p:cNvPicPr>
+            <a:picLocks noChangeAspect="1"/>
+          </p:cNvPicPr>
+          <p:nvPr/>
+        </p:nvPicPr>
+        <p:blipFill rotWithShape="1">
+          <a:blip r:embed="rId14" cstate="print">
+            <a:clrChange>
+              <a:clrFrom>
+                <a:srgbClr val="F6F6F6"/>
+              </a:clrFrom>
+              <a:clrTo>
+                <a:srgbClr val="F6F6F6">
+                  <a:alpha val="0"/>
+                </a:srgbClr>
+              </a:clrTo>
+            </a:clrChange>
+            <a:duotone>
+              <a:schemeClr val="accent1">
+                <a:shade val="45000"/>
+                <a:satMod val="135000"/>
+              </a:schemeClr>
+              <a:prstClr val="white"/>
+            </a:duotone>
+            <a:extLst>
+              <a:ext uri="{28A0092B-C50C-407E-A947-70E740481C1C}">
+                <a14:useLocalDpi xmlns:a14="http://schemas.microsoft.com/office/drawing/2010/main" val="0"/>
+              </a:ext>
+            </a:extLst>
+          </a:blip>
+          <a:srcRect l="4683" t="29453" r="4377" b="32215"/>
+          <a:stretch/>
+        </p:blipFill>
+        <p:spPr>
+          <a:xfrm>
+            <a:off x="1447800" y="4038600"/>
+            <a:ext cx="457200" cy="428266"/>
+          </a:xfrm>
+          <a:prstGeom prst="rect">
+            <a:avLst/>
+          </a:prstGeom>
+        </p:spPr>
+      </p:pic>
+      <p:pic>
+        <p:nvPicPr>
+          <p:cNvPr id="11" name="Picture 10">
+            <a:extLst>
+              <a:ext uri="{FF2B5EF4-FFF2-40B4-BE49-F238E27FC236}">
+                <a16:creationId xmlns:a16="http://schemas.microsoft.com/office/drawing/2014/main" id="{9C378B52-0397-C1A6-2EC9-23B5DB9AACEB}"/>
+              </a:ext>
+            </a:extLst>
+          </p:cNvPr>
+          <p:cNvPicPr>
+            <a:picLocks noChangeAspect="1"/>
+          </p:cNvPicPr>
+          <p:nvPr/>
+        </p:nvPicPr>
+        <p:blipFill rotWithShape="1">
+          <a:blip r:embed="rId15" cstate="print">
+            <a:clrChange>
+              <a:clrFrom>
+                <a:srgbClr val="F6F6F6"/>
+              </a:clrFrom>
+              <a:clrTo>
+                <a:srgbClr val="F6F6F6">
+                  <a:alpha val="0"/>
+                </a:srgbClr>
+              </a:clrTo>
+            </a:clrChange>
+            <a:duotone>
+              <a:schemeClr val="accent1">
+                <a:shade val="45000"/>
+                <a:satMod val="135000"/>
+              </a:schemeClr>
+              <a:prstClr val="white"/>
+            </a:duotone>
+            <a:extLst>
+              <a:ext uri="{28A0092B-C50C-407E-A947-70E740481C1C}">
+                <a14:useLocalDpi xmlns:a14="http://schemas.microsoft.com/office/drawing/2010/main" val="0"/>
+              </a:ext>
+            </a:extLst>
+          </a:blip>
+          <a:srcRect l="6075" t="33799" r="4933" b="28690"/>
+          <a:stretch/>
+        </p:blipFill>
+        <p:spPr>
+          <a:xfrm>
+            <a:off x="2133601" y="4038600"/>
+            <a:ext cx="457198" cy="428266"/>
           </a:xfrm>
           <a:prstGeom prst="rect">
             <a:avLst/>

--- a/feeder/tools/pics-making.pptx
+++ b/feeder/tools/pics-making.pptx
@@ -310,7 +310,7 @@
           <a:p>
             <a:fld id="{56E5DCE2-4C0C-4B49-9538-1E32127C0620}" type="datetimeFigureOut">
               <a:rPr lang="en-IN" smtClean="0"/>
-              <a:t>18-03-2024</a:t>
+              <a:t>08-05-2024</a:t>
             </a:fld>
             <a:endParaRPr lang="en-IN"/>
           </a:p>
@@ -480,7 +480,7 @@
           <a:p>
             <a:fld id="{56E5DCE2-4C0C-4B49-9538-1E32127C0620}" type="datetimeFigureOut">
               <a:rPr lang="en-IN" smtClean="0"/>
-              <a:t>18-03-2024</a:t>
+              <a:t>08-05-2024</a:t>
             </a:fld>
             <a:endParaRPr lang="en-IN"/>
           </a:p>
@@ -660,7 +660,7 @@
           <a:p>
             <a:fld id="{56E5DCE2-4C0C-4B49-9538-1E32127C0620}" type="datetimeFigureOut">
               <a:rPr lang="en-IN" smtClean="0"/>
-              <a:t>18-03-2024</a:t>
+              <a:t>08-05-2024</a:t>
             </a:fld>
             <a:endParaRPr lang="en-IN"/>
           </a:p>
@@ -830,7 +830,7 @@
           <a:p>
             <a:fld id="{56E5DCE2-4C0C-4B49-9538-1E32127C0620}" type="datetimeFigureOut">
               <a:rPr lang="en-IN" smtClean="0"/>
-              <a:t>18-03-2024</a:t>
+              <a:t>08-05-2024</a:t>
             </a:fld>
             <a:endParaRPr lang="en-IN"/>
           </a:p>
@@ -1076,7 +1076,7 @@
           <a:p>
             <a:fld id="{56E5DCE2-4C0C-4B49-9538-1E32127C0620}" type="datetimeFigureOut">
               <a:rPr lang="en-IN" smtClean="0"/>
-              <a:t>18-03-2024</a:t>
+              <a:t>08-05-2024</a:t>
             </a:fld>
             <a:endParaRPr lang="en-IN"/>
           </a:p>
@@ -1364,7 +1364,7 @@
           <a:p>
             <a:fld id="{56E5DCE2-4C0C-4B49-9538-1E32127C0620}" type="datetimeFigureOut">
               <a:rPr lang="en-IN" smtClean="0"/>
-              <a:t>18-03-2024</a:t>
+              <a:t>08-05-2024</a:t>
             </a:fld>
             <a:endParaRPr lang="en-IN"/>
           </a:p>
@@ -1786,7 +1786,7 @@
           <a:p>
             <a:fld id="{56E5DCE2-4C0C-4B49-9538-1E32127C0620}" type="datetimeFigureOut">
               <a:rPr lang="en-IN" smtClean="0"/>
-              <a:t>18-03-2024</a:t>
+              <a:t>08-05-2024</a:t>
             </a:fld>
             <a:endParaRPr lang="en-IN"/>
           </a:p>
@@ -1904,7 +1904,7 @@
           <a:p>
             <a:fld id="{56E5DCE2-4C0C-4B49-9538-1E32127C0620}" type="datetimeFigureOut">
               <a:rPr lang="en-IN" smtClean="0"/>
-              <a:t>18-03-2024</a:t>
+              <a:t>08-05-2024</a:t>
             </a:fld>
             <a:endParaRPr lang="en-IN"/>
           </a:p>
@@ -1999,7 +1999,7 @@
           <a:p>
             <a:fld id="{56E5DCE2-4C0C-4B49-9538-1E32127C0620}" type="datetimeFigureOut">
               <a:rPr lang="en-IN" smtClean="0"/>
-              <a:t>18-03-2024</a:t>
+              <a:t>08-05-2024</a:t>
             </a:fld>
             <a:endParaRPr lang="en-IN"/>
           </a:p>
@@ -2276,7 +2276,7 @@
           <a:p>
             <a:fld id="{56E5DCE2-4C0C-4B49-9538-1E32127C0620}" type="datetimeFigureOut">
               <a:rPr lang="en-IN" smtClean="0"/>
-              <a:t>18-03-2024</a:t>
+              <a:t>08-05-2024</a:t>
             </a:fld>
             <a:endParaRPr lang="en-IN"/>
           </a:p>
@@ -2529,7 +2529,7 @@
           <a:p>
             <a:fld id="{56E5DCE2-4C0C-4B49-9538-1E32127C0620}" type="datetimeFigureOut">
               <a:rPr lang="en-IN" smtClean="0"/>
-              <a:t>18-03-2024</a:t>
+              <a:t>08-05-2024</a:t>
             </a:fld>
             <a:endParaRPr lang="en-IN"/>
           </a:p>
@@ -2742,7 +2742,7 @@
           <a:p>
             <a:fld id="{56E5DCE2-4C0C-4B49-9538-1E32127C0620}" type="datetimeFigureOut">
               <a:rPr lang="en-IN" smtClean="0"/>
-              <a:t>18-03-2024</a:t>
+              <a:t>08-05-2024</a:t>
             </a:fld>
             <a:endParaRPr lang="en-IN"/>
           </a:p>
@@ -3938,6 +3938,196 @@
           </a:prstGeom>
         </p:spPr>
       </p:pic>
+      <p:grpSp>
+        <p:nvGrpSpPr>
+          <p:cNvPr id="26" name="Group 25">
+            <a:extLst>
+              <a:ext uri="{FF2B5EF4-FFF2-40B4-BE49-F238E27FC236}">
+                <a16:creationId xmlns:a16="http://schemas.microsoft.com/office/drawing/2014/main" id="{581D13F9-CD3C-7F47-ED6B-2FC46505B9DD}"/>
+              </a:ext>
+            </a:extLst>
+          </p:cNvPr>
+          <p:cNvGrpSpPr/>
+          <p:nvPr/>
+        </p:nvGrpSpPr>
+        <p:grpSpPr>
+          <a:xfrm>
+            <a:off x="3364866" y="3332031"/>
+            <a:ext cx="668975" cy="567870"/>
+            <a:chOff x="3364866" y="3332031"/>
+            <a:chExt cx="668975" cy="567870"/>
+          </a:xfrm>
+        </p:grpSpPr>
+        <p:sp>
+          <p:nvSpPr>
+            <p:cNvPr id="19" name="Rectangle 18">
+              <a:extLst>
+                <a:ext uri="{FF2B5EF4-FFF2-40B4-BE49-F238E27FC236}">
+                  <a16:creationId xmlns:a16="http://schemas.microsoft.com/office/drawing/2014/main" id="{97C4A842-2BAB-5708-B51A-A7E83D12DD57}"/>
+                </a:ext>
+              </a:extLst>
+            </p:cNvPr>
+            <p:cNvSpPr/>
+            <p:nvPr/>
+          </p:nvSpPr>
+          <p:spPr>
+            <a:xfrm>
+              <a:off x="3364866" y="3332031"/>
+              <a:ext cx="604926" cy="567870"/>
+            </a:xfrm>
+            <a:prstGeom prst="rect">
+              <a:avLst/>
+            </a:prstGeom>
+            <a:noFill/>
+            <a:ln w="3175">
+              <a:solidFill>
+                <a:schemeClr val="bg1">
+                  <a:lumMod val="65000"/>
+                </a:schemeClr>
+              </a:solidFill>
+            </a:ln>
+            <a:effectLst>
+              <a:outerShdw blurRad="50800" dist="38100" dir="16200000" rotWithShape="0">
+                <a:prstClr val="black">
+                  <a:alpha val="40000"/>
+                </a:prstClr>
+              </a:outerShdw>
+            </a:effectLst>
+          </p:spPr>
+          <p:style>
+            <a:lnRef idx="2">
+              <a:schemeClr val="accent1">
+                <a:shade val="15000"/>
+              </a:schemeClr>
+            </a:lnRef>
+            <a:fillRef idx="1">
+              <a:schemeClr val="accent1"/>
+            </a:fillRef>
+            <a:effectRef idx="0">
+              <a:schemeClr val="accent1"/>
+            </a:effectRef>
+            <a:fontRef idx="minor">
+              <a:schemeClr val="lt1"/>
+            </a:fontRef>
+          </p:style>
+          <p:txBody>
+            <a:bodyPr rtlCol="0" anchor="ctr"/>
+            <a:lstStyle/>
+            <a:p>
+              <a:pPr algn="ctr"/>
+              <a:endParaRPr lang="en-IN"/>
+            </a:p>
+          </p:txBody>
+        </p:sp>
+        <p:sp>
+          <p:nvSpPr>
+            <p:cNvPr id="21" name="Rectangle: Rounded Corners 20">
+              <a:extLst>
+                <a:ext uri="{FF2B5EF4-FFF2-40B4-BE49-F238E27FC236}">
+                  <a16:creationId xmlns:a16="http://schemas.microsoft.com/office/drawing/2014/main" id="{C3E1D8FF-15E9-AAFE-324D-760487038E72}"/>
+                </a:ext>
+              </a:extLst>
+            </p:cNvPr>
+            <p:cNvSpPr/>
+            <p:nvPr/>
+          </p:nvSpPr>
+          <p:spPr>
+            <a:xfrm>
+              <a:off x="3441391" y="3380069"/>
+              <a:ext cx="592450" cy="439771"/>
+            </a:xfrm>
+            <a:prstGeom prst="roundRect">
+              <a:avLst/>
+            </a:prstGeom>
+            <a:solidFill>
+              <a:srgbClr val="822492">
+                <a:alpha val="80000"/>
+              </a:srgbClr>
+            </a:solidFill>
+            <a:ln>
+              <a:noFill/>
+            </a:ln>
+          </p:spPr>
+          <p:style>
+            <a:lnRef idx="2">
+              <a:schemeClr val="accent1">
+                <a:shade val="15000"/>
+              </a:schemeClr>
+            </a:lnRef>
+            <a:fillRef idx="1">
+              <a:schemeClr val="accent1"/>
+            </a:fillRef>
+            <a:effectRef idx="0">
+              <a:schemeClr val="accent1"/>
+            </a:effectRef>
+            <a:fontRef idx="minor">
+              <a:schemeClr val="lt1"/>
+            </a:fontRef>
+          </p:style>
+          <p:txBody>
+            <a:bodyPr rtlCol="0" anchor="ctr"/>
+            <a:lstStyle/>
+            <a:p>
+              <a:pPr algn="ctr"/>
+              <a:endParaRPr lang="en-IN" dirty="0"/>
+            </a:p>
+          </p:txBody>
+        </p:sp>
+        <p:sp>
+          <p:nvSpPr>
+            <p:cNvPr id="25" name="Arrow: Right 24">
+              <a:extLst>
+                <a:ext uri="{FF2B5EF4-FFF2-40B4-BE49-F238E27FC236}">
+                  <a16:creationId xmlns:a16="http://schemas.microsoft.com/office/drawing/2014/main" id="{DC9136DA-8532-B73A-14E2-6DD017CECB83}"/>
+                </a:ext>
+              </a:extLst>
+            </p:cNvPr>
+            <p:cNvSpPr/>
+            <p:nvPr/>
+          </p:nvSpPr>
+          <p:spPr>
+            <a:xfrm>
+              <a:off x="3667329" y="3504406"/>
+              <a:ext cx="142671" cy="190500"/>
+            </a:xfrm>
+            <a:prstGeom prst="rightArrow">
+              <a:avLst/>
+            </a:prstGeom>
+            <a:solidFill>
+              <a:schemeClr val="bg1">
+                <a:lumMod val="65000"/>
+              </a:schemeClr>
+            </a:solidFill>
+            <a:ln>
+              <a:noFill/>
+            </a:ln>
+          </p:spPr>
+          <p:style>
+            <a:lnRef idx="2">
+              <a:schemeClr val="accent1">
+                <a:shade val="15000"/>
+              </a:schemeClr>
+            </a:lnRef>
+            <a:fillRef idx="1">
+              <a:schemeClr val="accent1"/>
+            </a:fillRef>
+            <a:effectRef idx="0">
+              <a:schemeClr val="accent1"/>
+            </a:effectRef>
+            <a:fontRef idx="minor">
+              <a:schemeClr val="lt1"/>
+            </a:fontRef>
+          </p:style>
+          <p:txBody>
+            <a:bodyPr rtlCol="0" anchor="ctr"/>
+            <a:lstStyle/>
+            <a:p>
+              <a:pPr algn="ctr"/>
+              <a:endParaRPr lang="en-IN"/>
+            </a:p>
+          </p:txBody>
+        </p:sp>
+      </p:grpSp>
     </p:spTree>
     <p:extLst>
       <p:ext uri="{BB962C8B-B14F-4D97-AF65-F5344CB8AC3E}">

--- a/feeder/tools/pics-making.pptx
+++ b/feeder/tools/pics-making.pptx
@@ -310,7 +310,7 @@
           <a:p>
             <a:fld id="{56E5DCE2-4C0C-4B49-9538-1E32127C0620}" type="datetimeFigureOut">
               <a:rPr lang="en-IN" smtClean="0"/>
-              <a:t>08-05-2024</a:t>
+              <a:t>11-05-2024</a:t>
             </a:fld>
             <a:endParaRPr lang="en-IN"/>
           </a:p>
@@ -480,7 +480,7 @@
           <a:p>
             <a:fld id="{56E5DCE2-4C0C-4B49-9538-1E32127C0620}" type="datetimeFigureOut">
               <a:rPr lang="en-IN" smtClean="0"/>
-              <a:t>08-05-2024</a:t>
+              <a:t>11-05-2024</a:t>
             </a:fld>
             <a:endParaRPr lang="en-IN"/>
           </a:p>
@@ -660,7 +660,7 @@
           <a:p>
             <a:fld id="{56E5DCE2-4C0C-4B49-9538-1E32127C0620}" type="datetimeFigureOut">
               <a:rPr lang="en-IN" smtClean="0"/>
-              <a:t>08-05-2024</a:t>
+              <a:t>11-05-2024</a:t>
             </a:fld>
             <a:endParaRPr lang="en-IN"/>
           </a:p>
@@ -830,7 +830,7 @@
           <a:p>
             <a:fld id="{56E5DCE2-4C0C-4B49-9538-1E32127C0620}" type="datetimeFigureOut">
               <a:rPr lang="en-IN" smtClean="0"/>
-              <a:t>08-05-2024</a:t>
+              <a:t>11-05-2024</a:t>
             </a:fld>
             <a:endParaRPr lang="en-IN"/>
           </a:p>
@@ -1076,7 +1076,7 @@
           <a:p>
             <a:fld id="{56E5DCE2-4C0C-4B49-9538-1E32127C0620}" type="datetimeFigureOut">
               <a:rPr lang="en-IN" smtClean="0"/>
-              <a:t>08-05-2024</a:t>
+              <a:t>11-05-2024</a:t>
             </a:fld>
             <a:endParaRPr lang="en-IN"/>
           </a:p>
@@ -1364,7 +1364,7 @@
           <a:p>
             <a:fld id="{56E5DCE2-4C0C-4B49-9538-1E32127C0620}" type="datetimeFigureOut">
               <a:rPr lang="en-IN" smtClean="0"/>
-              <a:t>08-05-2024</a:t>
+              <a:t>11-05-2024</a:t>
             </a:fld>
             <a:endParaRPr lang="en-IN"/>
           </a:p>
@@ -1786,7 +1786,7 @@
           <a:p>
             <a:fld id="{56E5DCE2-4C0C-4B49-9538-1E32127C0620}" type="datetimeFigureOut">
               <a:rPr lang="en-IN" smtClean="0"/>
-              <a:t>08-05-2024</a:t>
+              <a:t>11-05-2024</a:t>
             </a:fld>
             <a:endParaRPr lang="en-IN"/>
           </a:p>
@@ -1904,7 +1904,7 @@
           <a:p>
             <a:fld id="{56E5DCE2-4C0C-4B49-9538-1E32127C0620}" type="datetimeFigureOut">
               <a:rPr lang="en-IN" smtClean="0"/>
-              <a:t>08-05-2024</a:t>
+              <a:t>11-05-2024</a:t>
             </a:fld>
             <a:endParaRPr lang="en-IN"/>
           </a:p>
@@ -1999,7 +1999,7 @@
           <a:p>
             <a:fld id="{56E5DCE2-4C0C-4B49-9538-1E32127C0620}" type="datetimeFigureOut">
               <a:rPr lang="en-IN" smtClean="0"/>
-              <a:t>08-05-2024</a:t>
+              <a:t>11-05-2024</a:t>
             </a:fld>
             <a:endParaRPr lang="en-IN"/>
           </a:p>
@@ -2276,7 +2276,7 @@
           <a:p>
             <a:fld id="{56E5DCE2-4C0C-4B49-9538-1E32127C0620}" type="datetimeFigureOut">
               <a:rPr lang="en-IN" smtClean="0"/>
-              <a:t>08-05-2024</a:t>
+              <a:t>11-05-2024</a:t>
             </a:fld>
             <a:endParaRPr lang="en-IN"/>
           </a:p>
@@ -2529,7 +2529,7 @@
           <a:p>
             <a:fld id="{56E5DCE2-4C0C-4B49-9538-1E32127C0620}" type="datetimeFigureOut">
               <a:rPr lang="en-IN" smtClean="0"/>
-              <a:t>08-05-2024</a:t>
+              <a:t>11-05-2024</a:t>
             </a:fld>
             <a:endParaRPr lang="en-IN"/>
           </a:p>
@@ -2742,7 +2742,7 @@
           <a:p>
             <a:fld id="{56E5DCE2-4C0C-4B49-9538-1E32127C0620}" type="datetimeFigureOut">
               <a:rPr lang="en-IN" smtClean="0"/>
-              <a:t>08-05-2024</a:t>
+              <a:t>11-05-2024</a:t>
             </a:fld>
             <a:endParaRPr lang="en-IN"/>
           </a:p>
@@ -3940,10 +3940,10 @@
       </p:pic>
       <p:grpSp>
         <p:nvGrpSpPr>
-          <p:cNvPr id="26" name="Group 25">
+          <p:cNvPr id="17" name="Group 16">
             <a:extLst>
               <a:ext uri="{FF2B5EF4-FFF2-40B4-BE49-F238E27FC236}">
-                <a16:creationId xmlns:a16="http://schemas.microsoft.com/office/drawing/2014/main" id="{581D13F9-CD3C-7F47-ED6B-2FC46505B9DD}"/>
+                <a16:creationId xmlns:a16="http://schemas.microsoft.com/office/drawing/2014/main" id="{0E68616A-9218-6EE9-A3A4-49F66329B322}"/>
               </a:ext>
             </a:extLst>
           </p:cNvPr>
@@ -4040,9 +4040,11 @@
               <a:avLst/>
             </a:prstGeom>
             <a:solidFill>
-              <a:srgbClr val="822492">
+              <a:schemeClr val="tx1">
+                <a:lumMod val="50000"/>
+                <a:lumOff val="50000"/>
                 <a:alpha val="80000"/>
-              </a:srgbClr>
+              </a:schemeClr>
             </a:solidFill>
             <a:ln>
               <a:noFill/>
@@ -4094,13 +4096,18 @@
               <a:avLst/>
             </a:prstGeom>
             <a:solidFill>
-              <a:schemeClr val="bg1">
-                <a:lumMod val="65000"/>
-              </a:schemeClr>
+              <a:schemeClr val="tx1"/>
             </a:solidFill>
             <a:ln>
               <a:noFill/>
             </a:ln>
+            <a:effectLst>
+              <a:outerShdw blurRad="63500" sx="102000" sy="102000" algn="ctr" rotWithShape="0">
+                <a:prstClr val="black">
+                  <a:alpha val="40000"/>
+                </a:prstClr>
+              </a:outerShdw>
+            </a:effectLst>
           </p:spPr>
           <p:style>
             <a:lnRef idx="2">

--- a/feeder/tools/pics-making.pptx
+++ b/feeder/tools/pics-making.pptx
@@ -310,7 +310,7 @@
           <a:p>
             <a:fld id="{56E5DCE2-4C0C-4B49-9538-1E32127C0620}" type="datetimeFigureOut">
               <a:rPr lang="en-IN" smtClean="0"/>
-              <a:t>11-05-2024</a:t>
+              <a:t>25-05-2024</a:t>
             </a:fld>
             <a:endParaRPr lang="en-IN"/>
           </a:p>
@@ -480,7 +480,7 @@
           <a:p>
             <a:fld id="{56E5DCE2-4C0C-4B49-9538-1E32127C0620}" type="datetimeFigureOut">
               <a:rPr lang="en-IN" smtClean="0"/>
-              <a:t>11-05-2024</a:t>
+              <a:t>25-05-2024</a:t>
             </a:fld>
             <a:endParaRPr lang="en-IN"/>
           </a:p>
@@ -660,7 +660,7 @@
           <a:p>
             <a:fld id="{56E5DCE2-4C0C-4B49-9538-1E32127C0620}" type="datetimeFigureOut">
               <a:rPr lang="en-IN" smtClean="0"/>
-              <a:t>11-05-2024</a:t>
+              <a:t>25-05-2024</a:t>
             </a:fld>
             <a:endParaRPr lang="en-IN"/>
           </a:p>
@@ -830,7 +830,7 @@
           <a:p>
             <a:fld id="{56E5DCE2-4C0C-4B49-9538-1E32127C0620}" type="datetimeFigureOut">
               <a:rPr lang="en-IN" smtClean="0"/>
-              <a:t>11-05-2024</a:t>
+              <a:t>25-05-2024</a:t>
             </a:fld>
             <a:endParaRPr lang="en-IN"/>
           </a:p>
@@ -1076,7 +1076,7 @@
           <a:p>
             <a:fld id="{56E5DCE2-4C0C-4B49-9538-1E32127C0620}" type="datetimeFigureOut">
               <a:rPr lang="en-IN" smtClean="0"/>
-              <a:t>11-05-2024</a:t>
+              <a:t>25-05-2024</a:t>
             </a:fld>
             <a:endParaRPr lang="en-IN"/>
           </a:p>
@@ -1364,7 +1364,7 @@
           <a:p>
             <a:fld id="{56E5DCE2-4C0C-4B49-9538-1E32127C0620}" type="datetimeFigureOut">
               <a:rPr lang="en-IN" smtClean="0"/>
-              <a:t>11-05-2024</a:t>
+              <a:t>25-05-2024</a:t>
             </a:fld>
             <a:endParaRPr lang="en-IN"/>
           </a:p>
@@ -1786,7 +1786,7 @@
           <a:p>
             <a:fld id="{56E5DCE2-4C0C-4B49-9538-1E32127C0620}" type="datetimeFigureOut">
               <a:rPr lang="en-IN" smtClean="0"/>
-              <a:t>11-05-2024</a:t>
+              <a:t>25-05-2024</a:t>
             </a:fld>
             <a:endParaRPr lang="en-IN"/>
           </a:p>
@@ -1904,7 +1904,7 @@
           <a:p>
             <a:fld id="{56E5DCE2-4C0C-4B49-9538-1E32127C0620}" type="datetimeFigureOut">
               <a:rPr lang="en-IN" smtClean="0"/>
-              <a:t>11-05-2024</a:t>
+              <a:t>25-05-2024</a:t>
             </a:fld>
             <a:endParaRPr lang="en-IN"/>
           </a:p>
@@ -1999,7 +1999,7 @@
           <a:p>
             <a:fld id="{56E5DCE2-4C0C-4B49-9538-1E32127C0620}" type="datetimeFigureOut">
               <a:rPr lang="en-IN" smtClean="0"/>
-              <a:t>11-05-2024</a:t>
+              <a:t>25-05-2024</a:t>
             </a:fld>
             <a:endParaRPr lang="en-IN"/>
           </a:p>
@@ -2276,7 +2276,7 @@
           <a:p>
             <a:fld id="{56E5DCE2-4C0C-4B49-9538-1E32127C0620}" type="datetimeFigureOut">
               <a:rPr lang="en-IN" smtClean="0"/>
-              <a:t>11-05-2024</a:t>
+              <a:t>25-05-2024</a:t>
             </a:fld>
             <a:endParaRPr lang="en-IN"/>
           </a:p>
@@ -2529,7 +2529,7 @@
           <a:p>
             <a:fld id="{56E5DCE2-4C0C-4B49-9538-1E32127C0620}" type="datetimeFigureOut">
               <a:rPr lang="en-IN" smtClean="0"/>
-              <a:t>11-05-2024</a:t>
+              <a:t>25-05-2024</a:t>
             </a:fld>
             <a:endParaRPr lang="en-IN"/>
           </a:p>
@@ -2742,7 +2742,7 @@
           <a:p>
             <a:fld id="{56E5DCE2-4C0C-4B49-9538-1E32127C0620}" type="datetimeFigureOut">
               <a:rPr lang="en-IN" smtClean="0"/>
-              <a:t>11-05-2024</a:t>
+              <a:t>25-05-2024</a:t>
             </a:fld>
             <a:endParaRPr lang="en-IN"/>
           </a:p>
@@ -4135,6 +4135,88 @@
           </p:txBody>
         </p:sp>
       </p:grpSp>
+      <p:pic>
+        <p:nvPicPr>
+          <p:cNvPr id="28" name="Picture 27">
+            <a:extLst>
+              <a:ext uri="{FF2B5EF4-FFF2-40B4-BE49-F238E27FC236}">
+                <a16:creationId xmlns:a16="http://schemas.microsoft.com/office/drawing/2014/main" id="{8AC22F04-B6DF-8C90-86C9-FBA42671E3F6}"/>
+              </a:ext>
+            </a:extLst>
+          </p:cNvPr>
+          <p:cNvPicPr>
+            <a:picLocks noChangeAspect="1"/>
+          </p:cNvPicPr>
+          <p:nvPr/>
+        </p:nvPicPr>
+        <p:blipFill>
+          <a:blip r:embed="rId16">
+            <a:clrChange>
+              <a:clrFrom>
+                <a:srgbClr val="FFFFFF"/>
+              </a:clrFrom>
+              <a:clrTo>
+                <a:srgbClr val="FFFFFF">
+                  <a:alpha val="0"/>
+                </a:srgbClr>
+              </a:clrTo>
+            </a:clrChange>
+          </a:blip>
+          <a:stretch>
+            <a:fillRect/>
+          </a:stretch>
+        </p:blipFill>
+        <p:spPr>
+          <a:xfrm>
+            <a:off x="4505152" y="3237587"/>
+            <a:ext cx="669058" cy="662314"/>
+          </a:xfrm>
+          <a:prstGeom prst="ellipse">
+            <a:avLst/>
+          </a:prstGeom>
+        </p:spPr>
+      </p:pic>
+      <p:pic>
+        <p:nvPicPr>
+          <p:cNvPr id="30" name="Picture 29">
+            <a:extLst>
+              <a:ext uri="{FF2B5EF4-FFF2-40B4-BE49-F238E27FC236}">
+                <a16:creationId xmlns:a16="http://schemas.microsoft.com/office/drawing/2014/main" id="{42E26160-EA9D-99CC-42CC-2EFFEFE4C1DF}"/>
+              </a:ext>
+            </a:extLst>
+          </p:cNvPr>
+          <p:cNvPicPr>
+            <a:picLocks noChangeAspect="1"/>
+          </p:cNvPicPr>
+          <p:nvPr/>
+        </p:nvPicPr>
+        <p:blipFill>
+          <a:blip r:embed="rId17">
+            <a:clrChange>
+              <a:clrFrom>
+                <a:srgbClr val="FFFFFF"/>
+              </a:clrFrom>
+              <a:clrTo>
+                <a:srgbClr val="FFFFFF">
+                  <a:alpha val="0"/>
+                </a:srgbClr>
+              </a:clrTo>
+            </a:clrChange>
+          </a:blip>
+          <a:stretch>
+            <a:fillRect/>
+          </a:stretch>
+        </p:blipFill>
+        <p:spPr>
+          <a:xfrm>
+            <a:off x="5411179" y="3228444"/>
+            <a:ext cx="689549" cy="662314"/>
+          </a:xfrm>
+          <a:prstGeom prst="rect">
+            <a:avLst/>
+          </a:prstGeom>
+        </p:spPr>
+      </p:pic>
     </p:spTree>
     <p:extLst>
       <p:ext uri="{BB962C8B-B14F-4D97-AF65-F5344CB8AC3E}">

--- a/feeder/tools/pics-making.pptx
+++ b/feeder/tools/pics-making.pptx
@@ -310,7 +310,7 @@
           <a:p>
             <a:fld id="{56E5DCE2-4C0C-4B49-9538-1E32127C0620}" type="datetimeFigureOut">
               <a:rPr lang="en-IN" smtClean="0"/>
-              <a:t>25-05-2024</a:t>
+              <a:t>19-06-2024</a:t>
             </a:fld>
             <a:endParaRPr lang="en-IN"/>
           </a:p>
@@ -480,7 +480,7 @@
           <a:p>
             <a:fld id="{56E5DCE2-4C0C-4B49-9538-1E32127C0620}" type="datetimeFigureOut">
               <a:rPr lang="en-IN" smtClean="0"/>
-              <a:t>25-05-2024</a:t>
+              <a:t>19-06-2024</a:t>
             </a:fld>
             <a:endParaRPr lang="en-IN"/>
           </a:p>
@@ -660,7 +660,7 @@
           <a:p>
             <a:fld id="{56E5DCE2-4C0C-4B49-9538-1E32127C0620}" type="datetimeFigureOut">
               <a:rPr lang="en-IN" smtClean="0"/>
-              <a:t>25-05-2024</a:t>
+              <a:t>19-06-2024</a:t>
             </a:fld>
             <a:endParaRPr lang="en-IN"/>
           </a:p>
@@ -830,7 +830,7 @@
           <a:p>
             <a:fld id="{56E5DCE2-4C0C-4B49-9538-1E32127C0620}" type="datetimeFigureOut">
               <a:rPr lang="en-IN" smtClean="0"/>
-              <a:t>25-05-2024</a:t>
+              <a:t>19-06-2024</a:t>
             </a:fld>
             <a:endParaRPr lang="en-IN"/>
           </a:p>
@@ -1076,7 +1076,7 @@
           <a:p>
             <a:fld id="{56E5DCE2-4C0C-4B49-9538-1E32127C0620}" type="datetimeFigureOut">
               <a:rPr lang="en-IN" smtClean="0"/>
-              <a:t>25-05-2024</a:t>
+              <a:t>19-06-2024</a:t>
             </a:fld>
             <a:endParaRPr lang="en-IN"/>
           </a:p>
@@ -1364,7 +1364,7 @@
           <a:p>
             <a:fld id="{56E5DCE2-4C0C-4B49-9538-1E32127C0620}" type="datetimeFigureOut">
               <a:rPr lang="en-IN" smtClean="0"/>
-              <a:t>25-05-2024</a:t>
+              <a:t>19-06-2024</a:t>
             </a:fld>
             <a:endParaRPr lang="en-IN"/>
           </a:p>
@@ -1786,7 +1786,7 @@
           <a:p>
             <a:fld id="{56E5DCE2-4C0C-4B49-9538-1E32127C0620}" type="datetimeFigureOut">
               <a:rPr lang="en-IN" smtClean="0"/>
-              <a:t>25-05-2024</a:t>
+              <a:t>19-06-2024</a:t>
             </a:fld>
             <a:endParaRPr lang="en-IN"/>
           </a:p>
@@ -1904,7 +1904,7 @@
           <a:p>
             <a:fld id="{56E5DCE2-4C0C-4B49-9538-1E32127C0620}" type="datetimeFigureOut">
               <a:rPr lang="en-IN" smtClean="0"/>
-              <a:t>25-05-2024</a:t>
+              <a:t>19-06-2024</a:t>
             </a:fld>
             <a:endParaRPr lang="en-IN"/>
           </a:p>
@@ -1999,7 +1999,7 @@
           <a:p>
             <a:fld id="{56E5DCE2-4C0C-4B49-9538-1E32127C0620}" type="datetimeFigureOut">
               <a:rPr lang="en-IN" smtClean="0"/>
-              <a:t>25-05-2024</a:t>
+              <a:t>19-06-2024</a:t>
             </a:fld>
             <a:endParaRPr lang="en-IN"/>
           </a:p>
@@ -2276,7 +2276,7 @@
           <a:p>
             <a:fld id="{56E5DCE2-4C0C-4B49-9538-1E32127C0620}" type="datetimeFigureOut">
               <a:rPr lang="en-IN" smtClean="0"/>
-              <a:t>25-05-2024</a:t>
+              <a:t>19-06-2024</a:t>
             </a:fld>
             <a:endParaRPr lang="en-IN"/>
           </a:p>
@@ -2529,7 +2529,7 @@
           <a:p>
             <a:fld id="{56E5DCE2-4C0C-4B49-9538-1E32127C0620}" type="datetimeFigureOut">
               <a:rPr lang="en-IN" smtClean="0"/>
-              <a:t>25-05-2024</a:t>
+              <a:t>19-06-2024</a:t>
             </a:fld>
             <a:endParaRPr lang="en-IN"/>
           </a:p>
@@ -2742,7 +2742,7 @@
           <a:p>
             <a:fld id="{56E5DCE2-4C0C-4B49-9538-1E32127C0620}" type="datetimeFigureOut">
               <a:rPr lang="en-IN" smtClean="0"/>
-              <a:t>25-05-2024</a:t>
+              <a:t>19-06-2024</a:t>
             </a:fld>
             <a:endParaRPr lang="en-IN"/>
           </a:p>
@@ -4211,6 +4211,128 @@
           <a:xfrm>
             <a:off x="5411179" y="3228444"/>
             <a:ext cx="689549" cy="662314"/>
+          </a:xfrm>
+          <a:prstGeom prst="rect">
+            <a:avLst/>
+          </a:prstGeom>
+        </p:spPr>
+      </p:pic>
+      <p:pic>
+        <p:nvPicPr>
+          <p:cNvPr id="31" name="Picture 30">
+            <a:extLst>
+              <a:ext uri="{FF2B5EF4-FFF2-40B4-BE49-F238E27FC236}">
+                <a16:creationId xmlns:a16="http://schemas.microsoft.com/office/drawing/2014/main" id="{24F91B2E-9630-E3DA-6A4B-693445F12748}"/>
+              </a:ext>
+            </a:extLst>
+          </p:cNvPr>
+          <p:cNvPicPr>
+            <a:picLocks noChangeAspect="1"/>
+          </p:cNvPicPr>
+          <p:nvPr/>
+        </p:nvPicPr>
+        <p:blipFill>
+          <a:blip r:embed="rId18">
+            <a:clrChange>
+              <a:clrFrom>
+                <a:srgbClr val="FFFFFF"/>
+              </a:clrFrom>
+              <a:clrTo>
+                <a:srgbClr val="FFFFFF">
+                  <a:alpha val="0"/>
+                </a:srgbClr>
+              </a:clrTo>
+            </a:clrChange>
+          </a:blip>
+          <a:stretch>
+            <a:fillRect/>
+          </a:stretch>
+        </p:blipFill>
+        <p:spPr>
+          <a:xfrm>
+            <a:off x="6208425" y="3237587"/>
+            <a:ext cx="689549" cy="705746"/>
+          </a:xfrm>
+          <a:prstGeom prst="rect">
+            <a:avLst/>
+          </a:prstGeom>
+        </p:spPr>
+      </p:pic>
+      <p:pic>
+        <p:nvPicPr>
+          <p:cNvPr id="33" name="Picture 32">
+            <a:extLst>
+              <a:ext uri="{FF2B5EF4-FFF2-40B4-BE49-F238E27FC236}">
+                <a16:creationId xmlns:a16="http://schemas.microsoft.com/office/drawing/2014/main" id="{DC5D830A-7AC0-AF27-584E-602FF5B3F0CC}"/>
+              </a:ext>
+            </a:extLst>
+          </p:cNvPr>
+          <p:cNvPicPr>
+            <a:picLocks noChangeAspect="1"/>
+          </p:cNvPicPr>
+          <p:nvPr/>
+        </p:nvPicPr>
+        <p:blipFill>
+          <a:blip r:embed="rId19">
+            <a:clrChange>
+              <a:clrFrom>
+                <a:srgbClr val="FFFFFF"/>
+              </a:clrFrom>
+              <a:clrTo>
+                <a:srgbClr val="FFFFFF">
+                  <a:alpha val="0"/>
+                </a:srgbClr>
+              </a:clrTo>
+            </a:clrChange>
+          </a:blip>
+          <a:stretch>
+            <a:fillRect/>
+          </a:stretch>
+        </p:blipFill>
+        <p:spPr>
+          <a:xfrm>
+            <a:off x="7045415" y="3237587"/>
+            <a:ext cx="734855" cy="720000"/>
+          </a:xfrm>
+          <a:prstGeom prst="rect">
+            <a:avLst/>
+          </a:prstGeom>
+        </p:spPr>
+      </p:pic>
+      <p:pic>
+        <p:nvPicPr>
+          <p:cNvPr id="35" name="Picture 34">
+            <a:extLst>
+              <a:ext uri="{FF2B5EF4-FFF2-40B4-BE49-F238E27FC236}">
+                <a16:creationId xmlns:a16="http://schemas.microsoft.com/office/drawing/2014/main" id="{E986E343-1C4F-BB8B-FF39-B823818EF1AA}"/>
+              </a:ext>
+            </a:extLst>
+          </p:cNvPr>
+          <p:cNvPicPr>
+            <a:picLocks noChangeAspect="1"/>
+          </p:cNvPicPr>
+          <p:nvPr/>
+        </p:nvPicPr>
+        <p:blipFill rotWithShape="1">
+          <a:blip r:embed="rId20">
+            <a:clrChange>
+              <a:clrFrom>
+                <a:srgbClr val="FFFFFF"/>
+              </a:clrFrom>
+              <a:clrTo>
+                <a:srgbClr val="FFFFFF">
+                  <a:alpha val="0"/>
+                </a:srgbClr>
+              </a:clrTo>
+            </a:clrChange>
+          </a:blip>
+          <a:srcRect t="2095"/>
+          <a:stretch/>
+        </p:blipFill>
+        <p:spPr>
+          <a:xfrm>
+            <a:off x="7927711" y="3230460"/>
+            <a:ext cx="717196" cy="720000"/>
           </a:xfrm>
           <a:prstGeom prst="rect">
             <a:avLst/>
